--- a/Aula02.pptx
+++ b/Aula02.pptx
@@ -223,7 +223,7 @@
             <a:fld id="{4FC57188-328F-409D-ABFB-91E1B6C5CBEE}" type="datetimeFigureOut">
               <a:rPr lang="pt-BR" smtClean="0"/>
               <a:pPr/>
-              <a:t>03/04/2018</a:t>
+              <a:t>05/04/2018</a:t>
             </a:fld>
             <a:endParaRPr lang="pt-BR"/>
           </a:p>
@@ -666,7 +666,7 @@
             <a:fld id="{C1D1DBAD-5489-4EDB-8C36-EEBBA31CE2AB}" type="datetime1">
               <a:rPr lang="pt-BR" smtClean="0"/>
               <a:pPr/>
-              <a:t>03/04/2018</a:t>
+              <a:t>05/04/2018</a:t>
             </a:fld>
             <a:endParaRPr lang="pt-BR"/>
           </a:p>
@@ -833,7 +833,7 @@
             <a:fld id="{0648C560-E8F5-4568-98A8-F600B0D8A4F0}" type="datetime1">
               <a:rPr lang="pt-BR" smtClean="0"/>
               <a:pPr/>
-              <a:t>03/04/2018</a:t>
+              <a:t>05/04/2018</a:t>
             </a:fld>
             <a:endParaRPr lang="pt-BR"/>
           </a:p>
@@ -1010,7 +1010,7 @@
             <a:fld id="{A261A9BA-C3FF-4FA8-B5C7-51100E834B63}" type="datetime1">
               <a:rPr lang="pt-BR" smtClean="0"/>
               <a:pPr/>
-              <a:t>03/04/2018</a:t>
+              <a:t>05/04/2018</a:t>
             </a:fld>
             <a:endParaRPr lang="pt-BR"/>
           </a:p>
@@ -1177,7 +1177,7 @@
             <a:fld id="{20F63199-19BE-4345-8186-3FE6ABEF2D1B}" type="datetime1">
               <a:rPr lang="pt-BR" smtClean="0"/>
               <a:pPr/>
-              <a:t>03/04/2018</a:t>
+              <a:t>05/04/2018</a:t>
             </a:fld>
             <a:endParaRPr lang="pt-BR"/>
           </a:p>
@@ -1428,7 +1428,7 @@
             <a:fld id="{6267C653-65CA-451C-AA6B-70D341279164}" type="datetime1">
               <a:rPr lang="pt-BR" smtClean="0"/>
               <a:pPr/>
-              <a:t>03/04/2018</a:t>
+              <a:t>05/04/2018</a:t>
             </a:fld>
             <a:endParaRPr lang="pt-BR"/>
           </a:p>
@@ -1694,7 +1694,7 @@
             <a:fld id="{9F4FDE23-7AD0-441F-B625-D091A50DCADC}" type="datetime1">
               <a:rPr lang="pt-BR" smtClean="0"/>
               <a:pPr/>
-              <a:t>03/04/2018</a:t>
+              <a:t>05/04/2018</a:t>
             </a:fld>
             <a:endParaRPr lang="pt-BR"/>
           </a:p>
@@ -2074,7 +2074,7 @@
             <a:fld id="{CB13160C-8BAD-40DB-9688-531D9DF7DCD3}" type="datetime1">
               <a:rPr lang="pt-BR" smtClean="0"/>
               <a:pPr/>
-              <a:t>03/04/2018</a:t>
+              <a:t>05/04/2018</a:t>
             </a:fld>
             <a:endParaRPr lang="pt-BR"/>
           </a:p>
@@ -2226,7 +2226,7 @@
             <a:fld id="{26C0299F-E4FE-4103-85D5-56468E3D35D4}" type="datetime1">
               <a:rPr lang="pt-BR" smtClean="0"/>
               <a:pPr/>
-              <a:t>03/04/2018</a:t>
+              <a:t>05/04/2018</a:t>
             </a:fld>
             <a:endParaRPr lang="pt-BR"/>
           </a:p>
@@ -2318,7 +2318,7 @@
             <a:fld id="{655C7A29-7872-454C-8B8E-A38679A91596}" type="datetime1">
               <a:rPr lang="pt-BR" smtClean="0"/>
               <a:pPr/>
-              <a:t>03/04/2018</a:t>
+              <a:t>05/04/2018</a:t>
             </a:fld>
             <a:endParaRPr lang="pt-BR"/>
           </a:p>
@@ -2581,7 +2581,7 @@
             <a:fld id="{776E30D2-4101-44C7-B6AE-43D92E248AD0}" type="datetime1">
               <a:rPr lang="pt-BR" smtClean="0"/>
               <a:pPr/>
-              <a:t>03/04/2018</a:t>
+              <a:t>05/04/2018</a:t>
             </a:fld>
             <a:endParaRPr lang="pt-BR"/>
           </a:p>
@@ -2871,7 +2871,7 @@
             <a:fld id="{A9B7A1D8-8FEA-4761-ADA2-5B7EC3F0A03C}" type="datetime1">
               <a:rPr lang="pt-BR" smtClean="0"/>
               <a:pPr/>
-              <a:t>03/04/2018</a:t>
+              <a:t>05/04/2018</a:t>
             </a:fld>
             <a:endParaRPr lang="pt-BR"/>
           </a:p>
@@ -3644,7 +3644,7 @@
             <a:fld id="{D9F0E698-E276-4BE3-A092-15CA1BEF6177}" type="datetime1">
               <a:rPr lang="pt-BR" smtClean="0"/>
               <a:pPr/>
-              <a:t>03/04/2018</a:t>
+              <a:t>05/04/2018</a:t>
             </a:fld>
             <a:endParaRPr lang="pt-BR"/>
           </a:p>
@@ -4292,11 +4292,7 @@
             </a:br>
             <a:r>
               <a:rPr lang="pt-BR" dirty="0" smtClean="0"/>
-              <a:t>Aula </a:t>
-            </a:r>
-            <a:r>
-              <a:rPr lang="pt-BR" dirty="0" smtClean="0"/>
-              <a:t>2</a:t>
+              <a:t>Aula 2</a:t>
             </a:r>
             <a:endParaRPr lang="pt-BR" dirty="0"/>
           </a:p>
@@ -7211,15 +7207,19 @@
           <a:p>
             <a:r>
               <a:rPr lang="pt-BR" dirty="0"/>
-              <a:t>TODO (28) Adicionar </a:t>
-            </a:r>
-            <a:r>
-              <a:rPr lang="pt-BR" dirty="0" err="1"/>
-              <a:t>dependencia</a:t>
+              <a:t>TODO (28) </a:t>
+            </a:r>
+            <a:r>
+              <a:rPr lang="pt-BR"/>
+              <a:t>Adicionar </a:t>
+            </a:r>
+            <a:r>
+              <a:rPr lang="pt-BR" smtClean="0"/>
+              <a:t>dependência </a:t>
             </a:r>
             <a:r>
               <a:rPr lang="pt-BR" dirty="0"/>
-              <a:t> para </a:t>
+              <a:t>para </a:t>
             </a:r>
             <a:r>
               <a:rPr lang="pt-BR" dirty="0" err="1"/>
@@ -8336,15 +8336,7 @@
             </a:r>
             <a:r>
               <a:rPr lang="pt-BR" dirty="0" err="1" smtClean="0"/>
-              <a:t>Content</a:t>
-            </a:r>
-            <a:r>
-              <a:rPr lang="pt-BR" dirty="0" smtClean="0"/>
-              <a:t> </a:t>
-            </a:r>
-            <a:r>
-              <a:rPr lang="pt-BR" dirty="0" err="1" smtClean="0"/>
-              <a:t>Provider</a:t>
+              <a:t>ContentProvider</a:t>
             </a:r>
             <a:r>
               <a:rPr lang="pt-BR" dirty="0" smtClean="0"/>
@@ -8476,12 +8468,20 @@
               <a:t>Componente do </a:t>
             </a:r>
             <a:r>
+              <a:rPr lang="pt-BR" dirty="0" err="1"/>
+              <a:t>A</a:t>
+            </a:r>
+            <a:r>
               <a:rPr lang="pt-BR" dirty="0" err="1" smtClean="0"/>
-              <a:t>android</a:t>
-            </a:r>
-            <a:r>
-              <a:rPr lang="pt-BR" dirty="0" smtClean="0"/>
-              <a:t> utilizado para que o aplicativo realize operações “longas”;</a:t>
+              <a:t>ndroid</a:t>
+            </a:r>
+            <a:r>
+              <a:rPr lang="pt-BR" dirty="0" smtClean="0"/>
+              <a:t> </a:t>
+            </a:r>
+            <a:r>
+              <a:rPr lang="pt-BR" dirty="0" smtClean="0"/>
+              <a:t>utilizado para que o aplicativo realize operações “longas”;</a:t>
             </a:r>
           </a:p>
           <a:p>

--- a/Aula02.pptx
+++ b/Aula02.pptx
@@ -223,7 +223,7 @@
             <a:fld id="{4FC57188-328F-409D-ABFB-91E1B6C5CBEE}" type="datetimeFigureOut">
               <a:rPr lang="pt-BR" smtClean="0"/>
               <a:pPr/>
-              <a:t>05/04/2018</a:t>
+              <a:t>06/04/2018</a:t>
             </a:fld>
             <a:endParaRPr lang="pt-BR"/>
           </a:p>
@@ -666,7 +666,7 @@
             <a:fld id="{C1D1DBAD-5489-4EDB-8C36-EEBBA31CE2AB}" type="datetime1">
               <a:rPr lang="pt-BR" smtClean="0"/>
               <a:pPr/>
-              <a:t>05/04/2018</a:t>
+              <a:t>06/04/2018</a:t>
             </a:fld>
             <a:endParaRPr lang="pt-BR"/>
           </a:p>
@@ -833,7 +833,7 @@
             <a:fld id="{0648C560-E8F5-4568-98A8-F600B0D8A4F0}" type="datetime1">
               <a:rPr lang="pt-BR" smtClean="0"/>
               <a:pPr/>
-              <a:t>05/04/2018</a:t>
+              <a:t>06/04/2018</a:t>
             </a:fld>
             <a:endParaRPr lang="pt-BR"/>
           </a:p>
@@ -1010,7 +1010,7 @@
             <a:fld id="{A261A9BA-C3FF-4FA8-B5C7-51100E834B63}" type="datetime1">
               <a:rPr lang="pt-BR" smtClean="0"/>
               <a:pPr/>
-              <a:t>05/04/2018</a:t>
+              <a:t>06/04/2018</a:t>
             </a:fld>
             <a:endParaRPr lang="pt-BR"/>
           </a:p>
@@ -1177,7 +1177,7 @@
             <a:fld id="{20F63199-19BE-4345-8186-3FE6ABEF2D1B}" type="datetime1">
               <a:rPr lang="pt-BR" smtClean="0"/>
               <a:pPr/>
-              <a:t>05/04/2018</a:t>
+              <a:t>06/04/2018</a:t>
             </a:fld>
             <a:endParaRPr lang="pt-BR"/>
           </a:p>
@@ -1428,7 +1428,7 @@
             <a:fld id="{6267C653-65CA-451C-AA6B-70D341279164}" type="datetime1">
               <a:rPr lang="pt-BR" smtClean="0"/>
               <a:pPr/>
-              <a:t>05/04/2018</a:t>
+              <a:t>06/04/2018</a:t>
             </a:fld>
             <a:endParaRPr lang="pt-BR"/>
           </a:p>
@@ -1694,7 +1694,7 @@
             <a:fld id="{9F4FDE23-7AD0-441F-B625-D091A50DCADC}" type="datetime1">
               <a:rPr lang="pt-BR" smtClean="0"/>
               <a:pPr/>
-              <a:t>05/04/2018</a:t>
+              <a:t>06/04/2018</a:t>
             </a:fld>
             <a:endParaRPr lang="pt-BR"/>
           </a:p>
@@ -2074,7 +2074,7 @@
             <a:fld id="{CB13160C-8BAD-40DB-9688-531D9DF7DCD3}" type="datetime1">
               <a:rPr lang="pt-BR" smtClean="0"/>
               <a:pPr/>
-              <a:t>05/04/2018</a:t>
+              <a:t>06/04/2018</a:t>
             </a:fld>
             <a:endParaRPr lang="pt-BR"/>
           </a:p>
@@ -2226,7 +2226,7 @@
             <a:fld id="{26C0299F-E4FE-4103-85D5-56468E3D35D4}" type="datetime1">
               <a:rPr lang="pt-BR" smtClean="0"/>
               <a:pPr/>
-              <a:t>05/04/2018</a:t>
+              <a:t>06/04/2018</a:t>
             </a:fld>
             <a:endParaRPr lang="pt-BR"/>
           </a:p>
@@ -2318,7 +2318,7 @@
             <a:fld id="{655C7A29-7872-454C-8B8E-A38679A91596}" type="datetime1">
               <a:rPr lang="pt-BR" smtClean="0"/>
               <a:pPr/>
-              <a:t>05/04/2018</a:t>
+              <a:t>06/04/2018</a:t>
             </a:fld>
             <a:endParaRPr lang="pt-BR"/>
           </a:p>
@@ -2581,7 +2581,7 @@
             <a:fld id="{776E30D2-4101-44C7-B6AE-43D92E248AD0}" type="datetime1">
               <a:rPr lang="pt-BR" smtClean="0"/>
               <a:pPr/>
-              <a:t>05/04/2018</a:t>
+              <a:t>06/04/2018</a:t>
             </a:fld>
             <a:endParaRPr lang="pt-BR"/>
           </a:p>
@@ -2871,7 +2871,7 @@
             <a:fld id="{A9B7A1D8-8FEA-4761-ADA2-5B7EC3F0A03C}" type="datetime1">
               <a:rPr lang="pt-BR" smtClean="0"/>
               <a:pPr/>
-              <a:t>05/04/2018</a:t>
+              <a:t>06/04/2018</a:t>
             </a:fld>
             <a:endParaRPr lang="pt-BR"/>
           </a:p>
@@ -3644,7 +3644,7 @@
             <a:fld id="{D9F0E698-E276-4BE3-A092-15CA1BEF6177}" type="datetime1">
               <a:rPr lang="pt-BR" smtClean="0"/>
               <a:pPr/>
-              <a:t>05/04/2018</a:t>
+              <a:t>06/04/2018</a:t>
             </a:fld>
             <a:endParaRPr lang="pt-BR"/>
           </a:p>
@@ -4704,16 +4704,16 @@
           <a:lstStyle/>
           <a:p>
             <a:r>
-              <a:rPr lang="pt-BR" dirty="0" smtClean="0"/>
-              <a:t>Inicia Trata </a:t>
-            </a:r>
-            <a:r>
-              <a:rPr lang="pt-BR" dirty="0" err="1"/>
-              <a:t>requests</a:t>
+              <a:rPr lang="pt-BR" smtClean="0"/>
+              <a:t>Inicia </a:t>
+            </a:r>
+            <a:r>
+              <a:rPr lang="pt-BR" smtClean="0"/>
+              <a:t>serviços por </a:t>
             </a:r>
             <a:r>
               <a:rPr lang="pt-BR" dirty="0"/>
-              <a:t> por demanda</a:t>
+              <a:t>demanda</a:t>
             </a:r>
             <a:r>
               <a:rPr lang="pt-BR" dirty="0" smtClean="0"/>
@@ -8477,11 +8477,7 @@
             </a:r>
             <a:r>
               <a:rPr lang="pt-BR" dirty="0" smtClean="0"/>
-              <a:t> </a:t>
-            </a:r>
-            <a:r>
-              <a:rPr lang="pt-BR" dirty="0" smtClean="0"/>
-              <a:t>utilizado para que o aplicativo realize operações “longas”;</a:t>
+              <a:t> utilizado para que o aplicativo realize operações “longas”;</a:t>
             </a:r>
           </a:p>
           <a:p>
